--- a/CMPE 272 Marketplace Presentation.pptx
+++ b/CMPE 272 Marketplace Presentation.pptx
@@ -5066,18 +5066,20 @@
         </p:nvSpPr>
         <p:spPr/>
         <p:txBody>
-          <a:bodyPr/>
+          <a:bodyPr>
+            <a:normAutofit lnSpcReduction="10000"/>
+          </a:bodyPr>
           <a:lstStyle/>
           <a:p>
             <a:r>
               <a:rPr lang="en-IN" dirty="0" smtClean="0"/>
-              <a:t>Google login</a:t>
+              <a:t>Google login.</a:t>
             </a:r>
           </a:p>
           <a:p>
             <a:r>
               <a:rPr lang="en-IN" dirty="0" smtClean="0"/>
-              <a:t>Add balance to wallet</a:t>
+              <a:t>Add balance to wallet.</a:t>
             </a:r>
           </a:p>
           <a:p>
@@ -5105,8 +5107,17 @@
             </a:r>
             <a:r>
               <a:rPr lang="en-IN" dirty="0"/>
-              <a:t>the products with respect to 5 different criteria.</a:t>
-            </a:r>
+              <a:t>the products with respect to 5 different </a:t>
+            </a:r>
+            <a:r>
+              <a:rPr lang="en-IN" dirty="0" smtClean="0"/>
+              <a:t>criteria: Top 5 Visited, Best Rated, Top 5 Rated based on Quality, Experience, Overall, Top 5 sorted </a:t>
+            </a:r>
+            <a:r>
+              <a:rPr lang="en-IN" smtClean="0"/>
+              <a:t>by price.</a:t>
+            </a:r>
+            <a:endParaRPr lang="en-IN" dirty="0"/>
           </a:p>
           <a:p>
             <a:r>
